--- a/courses/theory/slides/lec13-pointer.pptx
+++ b/courses/theory/slides/lec13-pointer.pptx
@@ -7942,8 +7942,8 @@
           </a:p>
         </p:txBody>
       </p:sp>
-      <mc:AlternateContent xmlns:mc="http://schemas.openxmlformats.org/markup-compatibility/2006">
-        <mc:Choice xmlns:a14="http://schemas.microsoft.com/office/drawing/2010/main" Requires="a14">
+      <mc:AlternateContent xmlns:mc="http://schemas.openxmlformats.org/markup-compatibility/2006" xmlns:a14="http://schemas.microsoft.com/office/drawing/2010/main">
+        <mc:Choice Requires="a14">
           <p:sp>
             <p:nvSpPr>
               <p:cNvPr id="3" name="内容占位符 2">
@@ -8249,7 +8249,7 @@
             </p:txBody>
           </p:sp>
         </mc:Choice>
-        <mc:Fallback>
+        <mc:Fallback xmlns="">
           <p:sp>
             <p:nvSpPr>
               <p:cNvPr id="3" name="内容占位符 2">
@@ -11785,8 +11785,8 @@
           </a:p>
         </p:txBody>
       </p:sp>
-      <mc:AlternateContent xmlns:mc="http://schemas.openxmlformats.org/markup-compatibility/2006">
-        <mc:Choice xmlns:a14="http://schemas.microsoft.com/office/drawing/2010/main" Requires="a14">
+      <mc:AlternateContent xmlns:mc="http://schemas.openxmlformats.org/markup-compatibility/2006" xmlns:a14="http://schemas.microsoft.com/office/drawing/2010/main">
+        <mc:Choice Requires="a14">
           <p:sp>
             <p:nvSpPr>
               <p:cNvPr id="3" name="内容占位符 2">
@@ -12221,7 +12221,7 @@
             </p:txBody>
           </p:sp>
         </mc:Choice>
-        <mc:Fallback>
+        <mc:Fallback xmlns="">
           <p:sp>
             <p:nvSpPr>
               <p:cNvPr id="3" name="内容占位符 2">
@@ -13426,10 +13426,18 @@
           <a:p>
             <a:pPr algn="ctr"/>
             <a:r>
-              <a:rPr kumimoji="1" lang="en-US" altLang="zh-CN" dirty="0"/>
+              <a:rPr kumimoji="1" lang="en-US" altLang="zh-CN" dirty="0">
+                <a:solidFill>
+                  <a:schemeClr val="tx1"/>
+                </a:solidFill>
+              </a:rPr>
               <a:t>pointers</a:t>
             </a:r>
-            <a:endParaRPr kumimoji="1" lang="zh-CN" altLang="en-US" dirty="0"/>
+            <a:endParaRPr kumimoji="1" lang="zh-CN" altLang="en-US" dirty="0">
+              <a:solidFill>
+                <a:schemeClr val="tx1"/>
+              </a:solidFill>
+            </a:endParaRPr>
           </a:p>
         </p:txBody>
       </p:sp>
@@ -13476,18 +13484,30 @@
           <a:p>
             <a:pPr algn="ctr"/>
             <a:r>
-              <a:rPr kumimoji="1" lang="en-US" altLang="zh-CN" dirty="0" err="1"/>
+              <a:rPr kumimoji="1" lang="en-US" altLang="zh-CN" dirty="0" err="1">
+                <a:solidFill>
+                  <a:schemeClr val="tx1"/>
+                </a:solidFill>
+              </a:rPr>
               <a:t>w.o</a:t>
             </a:r>
             <a:r>
-              <a:rPr kumimoji="1" lang="en-US" altLang="zh-CN" dirty="0"/>
+              <a:rPr kumimoji="1" lang="en-US" altLang="zh-CN" dirty="0">
+                <a:solidFill>
+                  <a:schemeClr val="tx1"/>
+                </a:solidFill>
+              </a:rPr>
               <a:t>/</a:t>
             </a:r>
           </a:p>
           <a:p>
             <a:pPr algn="ctr"/>
             <a:r>
-              <a:rPr kumimoji="1" lang="en-US" altLang="zh-CN" dirty="0"/>
+              <a:rPr kumimoji="1" lang="en-US" altLang="zh-CN" dirty="0">
+                <a:solidFill>
+                  <a:schemeClr val="tx1"/>
+                </a:solidFill>
+              </a:rPr>
               <a:t>pointers</a:t>
             </a:r>
           </a:p>
@@ -13797,8 +13817,8 @@
           </a:p>
         </p:txBody>
       </p:sp>
-      <mc:AlternateContent xmlns:mc="http://schemas.openxmlformats.org/markup-compatibility/2006">
-        <mc:Choice xmlns:a14="http://schemas.microsoft.com/office/drawing/2010/main" Requires="a14">
+      <mc:AlternateContent xmlns:mc="http://schemas.openxmlformats.org/markup-compatibility/2006" xmlns:a14="http://schemas.microsoft.com/office/drawing/2010/main">
+        <mc:Choice Requires="a14">
           <p:sp>
             <p:nvSpPr>
               <p:cNvPr id="3" name="内容占位符 2">
@@ -14337,7 +14357,7 @@
             </p:txBody>
           </p:sp>
         </mc:Choice>
-        <mc:Fallback>
+        <mc:Fallback xmlns="">
           <p:sp>
             <p:nvSpPr>
               <p:cNvPr id="3" name="内容占位符 2">
@@ -14488,8 +14508,8 @@
           </a:p>
         </p:txBody>
       </p:sp>
-      <mc:AlternateContent xmlns:mc="http://schemas.openxmlformats.org/markup-compatibility/2006" xmlns:a14="http://schemas.microsoft.com/office/drawing/2010/main">
-        <mc:Choice Requires="a14">
+      <mc:AlternateContent xmlns:mc="http://schemas.openxmlformats.org/markup-compatibility/2006">
+        <mc:Choice xmlns:a14="http://schemas.microsoft.com/office/drawing/2010/main" Requires="a14">
           <p:graphicFrame>
             <p:nvGraphicFramePr>
               <p:cNvPr id="4" name="表格 3">
@@ -14503,7 +14523,11 @@
                 <a:graphicFrameLocks noGrp="1"/>
               </p:cNvGraphicFramePr>
               <p:nvPr>
-                <p:extLst/>
+                <p:extLst>
+                  <p:ext uri="{D42A27DB-BD31-4B8C-83A1-F6EECF244321}">
+                    <p14:modId xmlns:p14="http://schemas.microsoft.com/office/powerpoint/2010/main" val="3274880094"/>
+                  </p:ext>
+                </p:extLst>
               </p:nvPr>
             </p:nvGraphicFramePr>
             <p:xfrm>
@@ -14546,10 +14570,18 @@
                         <a:lstStyle/>
                         <a:p>
                           <a:r>
-                            <a:rPr lang="en-US" altLang="zh-CN" dirty="0"/>
+                            <a:rPr lang="en-US" altLang="zh-CN" dirty="0">
+                              <a:solidFill>
+                                <a:schemeClr val="tx1"/>
+                              </a:solidFill>
+                            </a:rPr>
                             <a:t>Proposition</a:t>
                           </a:r>
-                          <a:endParaRPr lang="zh-CN" altLang="en-US" dirty="0"/>
+                          <a:endParaRPr lang="zh-CN" altLang="en-US" dirty="0">
+                            <a:solidFill>
+                              <a:schemeClr val="tx1"/>
+                            </a:solidFill>
+                          </a:endParaRPr>
                         </a:p>
                       </a:txBody>
                       <a:tcPr/>
@@ -14560,14 +14592,18 @@
                         <a:lstStyle/>
                         <a:p>
                           <a:r>
-                            <a:rPr lang="en-US" altLang="zh-CN" dirty="0"/>
-                            <a:t>Sat/</a:t>
+                            <a:rPr lang="en-US" altLang="zh-CN" dirty="0">
+                              <a:solidFill>
+                                <a:schemeClr val="tx1"/>
+                              </a:solidFill>
+                            </a:rPr>
+                            <a:t>Satisfiable?</a:t>
                           </a:r>
-                          <a:r>
-                            <a:rPr lang="en-US" altLang="zh-CN" dirty="0" err="1"/>
-                            <a:t>unsat</a:t>
-                          </a:r>
-                          <a:endParaRPr lang="zh-CN" altLang="en-US" dirty="0"/>
+                          <a:endParaRPr lang="zh-CN" altLang="en-US" dirty="0">
+                            <a:solidFill>
+                              <a:schemeClr val="tx1"/>
+                            </a:solidFill>
+                          </a:endParaRPr>
                         </a:p>
                       </a:txBody>
                       <a:tcPr/>
@@ -14578,10 +14614,18 @@
                         <a:lstStyle/>
                         <a:p>
                           <a:r>
-                            <a:rPr lang="en-US" altLang="zh-CN" dirty="0"/>
+                            <a:rPr lang="en-US" altLang="zh-CN" dirty="0">
+                              <a:solidFill>
+                                <a:schemeClr val="tx1"/>
+                              </a:solidFill>
+                            </a:rPr>
                             <a:t>theory</a:t>
                           </a:r>
-                          <a:endParaRPr lang="zh-CN" altLang="en-US" dirty="0"/>
+                          <a:endParaRPr lang="zh-CN" altLang="en-US" dirty="0">
+                            <a:solidFill>
+                              <a:schemeClr val="tx1"/>
+                            </a:solidFill>
+                          </a:endParaRPr>
                         </a:p>
                       </a:txBody>
                       <a:tcPr/>
@@ -15699,7 +15743,7 @@
             </a:graphic>
           </p:graphicFrame>
         </mc:Choice>
-        <mc:Fallback xmlns="">
+        <mc:Fallback>
           <p:graphicFrame>
             <p:nvGraphicFramePr>
               <p:cNvPr id="4" name="表格 3">
@@ -15715,7 +15759,7 @@
               <p:nvPr>
                 <p:extLst>
                   <p:ext uri="{D42A27DB-BD31-4B8C-83A1-F6EECF244321}">
-                    <p14:modId xmlns:p14="http://schemas.microsoft.com/office/powerpoint/2010/main" val="1476172855"/>
+                    <p14:modId xmlns:p14="http://schemas.microsoft.com/office/powerpoint/2010/main" val="3274880094"/>
                   </p:ext>
                 </p:extLst>
               </p:nvPr>
@@ -15760,10 +15804,18 @@
                         <a:lstStyle/>
                         <a:p>
                           <a:r>
-                            <a:rPr lang="en-US" altLang="zh-CN" dirty="0"/>
+                            <a:rPr lang="en-US" altLang="zh-CN" dirty="0">
+                              <a:solidFill>
+                                <a:schemeClr val="tx1"/>
+                              </a:solidFill>
+                            </a:rPr>
                             <a:t>Proposition</a:t>
                           </a:r>
-                          <a:endParaRPr lang="zh-CN" altLang="en-US" dirty="0"/>
+                          <a:endParaRPr lang="zh-CN" altLang="en-US" dirty="0">
+                            <a:solidFill>
+                              <a:schemeClr val="tx1"/>
+                            </a:solidFill>
+                          </a:endParaRPr>
                         </a:p>
                       </a:txBody>
                       <a:tcPr/>
@@ -15774,14 +15826,18 @@
                         <a:lstStyle/>
                         <a:p>
                           <a:r>
-                            <a:rPr lang="en-US" altLang="zh-CN" dirty="0"/>
-                            <a:t>Sat/</a:t>
+                            <a:rPr lang="en-US" altLang="zh-CN" dirty="0">
+                              <a:solidFill>
+                                <a:schemeClr val="tx1"/>
+                              </a:solidFill>
+                            </a:rPr>
+                            <a:t>Satisfiable?</a:t>
                           </a:r>
-                          <a:r>
-                            <a:rPr lang="en-US" altLang="zh-CN" dirty="0" err="1"/>
-                            <a:t>unsat</a:t>
-                          </a:r>
-                          <a:endParaRPr lang="zh-CN" altLang="en-US" dirty="0"/>
+                          <a:endParaRPr lang="zh-CN" altLang="en-US" dirty="0">
+                            <a:solidFill>
+                              <a:schemeClr val="tx1"/>
+                            </a:solidFill>
+                          </a:endParaRPr>
                         </a:p>
                       </a:txBody>
                       <a:tcPr/>
@@ -15792,10 +15848,18 @@
                         <a:lstStyle/>
                         <a:p>
                           <a:r>
-                            <a:rPr lang="en-US" altLang="zh-CN" dirty="0"/>
+                            <a:rPr lang="en-US" altLang="zh-CN" dirty="0">
+                              <a:solidFill>
+                                <a:schemeClr val="tx1"/>
+                              </a:solidFill>
+                            </a:rPr>
                             <a:t>theory</a:t>
                           </a:r>
-                          <a:endParaRPr lang="zh-CN" altLang="en-US" dirty="0"/>
+                          <a:endParaRPr lang="zh-CN" altLang="en-US" dirty="0">
+                            <a:solidFill>
+                              <a:schemeClr val="tx1"/>
+                            </a:solidFill>
+                          </a:endParaRPr>
                         </a:p>
                       </a:txBody>
                       <a:tcPr/>
@@ -15819,7 +15883,7 @@
                         <a:blipFill>
                           <a:blip r:embed="rId2"/>
                           <a:stretch>
-                            <a:fillRect l="-355" t="-175862" r="-130496" b="-779310"/>
+                            <a:fillRect l="-355" t="-175862" r="-130851" b="-782759"/>
                           </a:stretch>
                         </a:blipFill>
                       </a:tcPr>
@@ -15870,7 +15934,7 @@
                         <a:blipFill>
                           <a:blip r:embed="rId2"/>
                           <a:stretch>
-                            <a:fillRect l="-355" t="-266667" r="-130496" b="-653333"/>
+                            <a:fillRect l="-355" t="-266667" r="-130851" b="-656667"/>
                           </a:stretch>
                         </a:blipFill>
                       </a:tcPr>
@@ -15929,7 +15993,7 @@
                         <a:blipFill>
                           <a:blip r:embed="rId2"/>
                           <a:stretch>
-                            <a:fillRect l="-355" t="-200000" r="-130496" b="-256364"/>
+                            <a:fillRect l="-355" t="-200000" r="-130851" b="-258182"/>
                           </a:stretch>
                         </a:blipFill>
                       </a:tcPr>
@@ -15946,7 +16010,7 @@
                         <a:blipFill>
                           <a:blip r:embed="rId2"/>
                           <a:stretch>
-                            <a:fillRect l="-188667" t="-200000" r="-145333" b="-256364"/>
+                            <a:fillRect l="-188667" t="-200000" r="-146000" b="-258182"/>
                           </a:stretch>
                         </a:blipFill>
                       </a:tcPr>
@@ -15994,7 +16058,7 @@
                         <a:blipFill>
                           <a:blip r:embed="rId2"/>
                           <a:stretch>
-                            <a:fillRect l="-355" t="-568966" r="-130496" b="-386207"/>
+                            <a:fillRect l="-355" t="-568966" r="-130851" b="-389655"/>
                           </a:stretch>
                         </a:blipFill>
                       </a:tcPr>
@@ -16045,7 +16109,7 @@
                         <a:blipFill>
                           <a:blip r:embed="rId2"/>
                           <a:stretch>
-                            <a:fillRect l="-355" t="-646667" r="-130496" b="-273333"/>
+                            <a:fillRect l="-355" t="-646667" r="-130851" b="-276667"/>
                           </a:stretch>
                         </a:blipFill>
                       </a:tcPr>
@@ -16096,7 +16160,7 @@
                         <a:blipFill>
                           <a:blip r:embed="rId2"/>
                           <a:stretch>
-                            <a:fillRect l="-355" t="-772414" r="-130496" b="-182759"/>
+                            <a:fillRect l="-355" t="-772414" r="-130851" b="-186207"/>
                           </a:stretch>
                         </a:blipFill>
                       </a:tcPr>
@@ -21558,8 +21622,8 @@
           </a:p>
         </p:txBody>
       </p:sp>
-      <mc:AlternateContent xmlns:mc="http://schemas.openxmlformats.org/markup-compatibility/2006">
-        <mc:Choice xmlns:a14="http://schemas.microsoft.com/office/drawing/2010/main" Requires="a14">
+      <mc:AlternateContent xmlns:mc="http://schemas.openxmlformats.org/markup-compatibility/2006" xmlns:a14="http://schemas.microsoft.com/office/drawing/2010/main">
+        <mc:Choice Requires="a14">
           <p:sp>
             <p:nvSpPr>
               <p:cNvPr id="3" name="内容占位符 2">
@@ -22006,7 +22070,7 @@
             </p:txBody>
           </p:sp>
         </mc:Choice>
-        <mc:Fallback>
+        <mc:Fallback xmlns="">
           <p:sp>
             <p:nvSpPr>
               <p:cNvPr id="3" name="内容占位符 2">
@@ -22050,8 +22114,8 @@
           </p:sp>
         </mc:Fallback>
       </mc:AlternateContent>
-      <mc:AlternateContent xmlns:mc="http://schemas.openxmlformats.org/markup-compatibility/2006">
-        <mc:Choice xmlns:a14="http://schemas.microsoft.com/office/drawing/2010/main" Requires="a14">
+      <mc:AlternateContent xmlns:mc="http://schemas.openxmlformats.org/markup-compatibility/2006" xmlns:a14="http://schemas.microsoft.com/office/drawing/2010/main">
+        <mc:Choice Requires="a14">
           <p:sp>
             <p:nvSpPr>
               <p:cNvPr id="4" name="内容占位符 2">
@@ -22734,7 +22798,7 @@
             </p:txBody>
           </p:sp>
         </mc:Choice>
-        <mc:Fallback>
+        <mc:Fallback xmlns="">
           <p:sp>
             <p:nvSpPr>
               <p:cNvPr id="4" name="内容占位符 2">
@@ -25625,8 +25689,8 @@
           </a:p>
         </p:txBody>
       </p:sp>
-      <mc:AlternateContent xmlns:mc="http://schemas.openxmlformats.org/markup-compatibility/2006">
-        <mc:Choice xmlns:a14="http://schemas.microsoft.com/office/drawing/2010/main" Requires="a14">
+      <mc:AlternateContent xmlns:mc="http://schemas.openxmlformats.org/markup-compatibility/2006" xmlns:a14="http://schemas.microsoft.com/office/drawing/2010/main">
+        <mc:Choice Requires="a14">
           <p:sp>
             <p:nvSpPr>
               <p:cNvPr id="3" name="内容占位符 2">
@@ -25835,7 +25899,7 @@
             </p:txBody>
           </p:sp>
         </mc:Choice>
-        <mc:Fallback>
+        <mc:Fallback xmlns="">
           <p:sp>
             <p:nvSpPr>
               <p:cNvPr id="3" name="内容占位符 2">
